--- a/翻转课堂/翻转课堂二.pptx
+++ b/翻转课堂/翻转课堂二.pptx
@@ -5,7 +5,7 @@
     <p:sldMasterId id="2147483648" r:id="rId1"/>
   </p:sldMasterIdLst>
   <p:notesMasterIdLst>
-    <p:notesMasterId r:id="rId39"/>
+    <p:notesMasterId r:id="rId40"/>
   </p:notesMasterIdLst>
   <p:sldIdLst>
     <p:sldId id="256" r:id="rId2"/>
@@ -44,7 +44,8 @@
     <p:sldId id="298" r:id="rId35"/>
     <p:sldId id="276" r:id="rId36"/>
     <p:sldId id="277" r:id="rId37"/>
-    <p:sldId id="278" r:id="rId38"/>
+    <p:sldId id="304" r:id="rId38"/>
+    <p:sldId id="278" r:id="rId39"/>
   </p:sldIdLst>
   <p:sldSz cx="12192000" cy="6858000"/>
   <p:notesSz cx="6858000" cy="9144000"/>
@@ -348,7 +349,7 @@
   </p:defaultTextStyle>
   <p:extLst>
     <p:ext uri="{EFAFB233-063F-42B5-8137-9DF3F51BA10A}">
-      <p15:sldGuideLst xmlns:p15="http://schemas.microsoft.com/office/powerpoint/2012/main">
+      <p15:sldGuideLst xmlns:p15="http://schemas.microsoft.com/office/powerpoint/2012/main" xmlns="">
         <p15:guide id="1" orient="horz" pos="2160">
           <p15:clr>
             <a:srgbClr val="A4A3A4"/>
@@ -538,12 +539,12 @@
         </c:dLbls>
         <c:gapWidth val="150"/>
         <c:shape val="box"/>
-        <c:axId val="684414704"/>
-        <c:axId val="684416752"/>
+        <c:axId val="223564800"/>
+        <c:axId val="244350976"/>
         <c:axId val="0"/>
       </c:bar3DChart>
       <c:catAx>
-        <c:axId val="684414704"/>
+        <c:axId val="223564800"/>
         <c:scaling>
           <c:orientation val="minMax"/>
         </c:scaling>
@@ -580,7 +581,7 @@
             <a:endParaRPr lang="zh-CN"/>
           </a:p>
         </c:txPr>
-        <c:crossAx val="684416752"/>
+        <c:crossAx val="244350976"/>
         <c:crosses val="autoZero"/>
         <c:auto val="1"/>
         <c:lblAlgn val="ctr"/>
@@ -588,7 +589,7 @@
         <c:noMultiLvlLbl val="0"/>
       </c:catAx>
       <c:valAx>
-        <c:axId val="684416752"/>
+        <c:axId val="244350976"/>
         <c:scaling>
           <c:orientation val="minMax"/>
         </c:scaling>
@@ -639,7 +640,7 @@
             <a:endParaRPr lang="zh-CN"/>
           </a:p>
         </c:txPr>
-        <c:crossAx val="684414704"/>
+        <c:crossAx val="223564800"/>
         <c:crosses val="autoZero"/>
         <c:crossBetween val="between"/>
       </c:valAx>
@@ -3786,7 +3787,7 @@
           </a:ln>
           <a:extLst>
             <a:ext uri="{C572A759-6A51-4108-AA02-DFA0A04FC94B}">
-              <ma14:wrappingTextBoxFlag xmlns:ma14="http://schemas.microsoft.com/office/mac/drawingml/2011/main" val="1"/>
+              <ma14:wrappingTextBoxFlag xmlns:ma14="http://schemas.microsoft.com/office/mac/drawingml/2011/main" xmlns="" val="1"/>
             </a:ext>
           </a:extLst>
         </p:spPr>
@@ -3823,7 +3824,7 @@
           </a:ln>
           <a:extLst>
             <a:ext uri="{C572A759-6A51-4108-AA02-DFA0A04FC94B}">
-              <ma14:wrappingTextBoxFlag xmlns:ma14="http://schemas.microsoft.com/office/mac/drawingml/2011/main" val="1"/>
+              <ma14:wrappingTextBoxFlag xmlns:ma14="http://schemas.microsoft.com/office/mac/drawingml/2011/main" xmlns="" val="1"/>
             </a:ext>
           </a:extLst>
         </p:spPr>
@@ -4754,7 +4755,7 @@
           </a:ln>
           <a:extLst>
             <a:ext uri="{C572A759-6A51-4108-AA02-DFA0A04FC94B}">
-              <ma14:wrappingTextBoxFlag xmlns:ma14="http://schemas.microsoft.com/office/mac/drawingml/2011/main" val="1"/>
+              <ma14:wrappingTextBoxFlag xmlns:ma14="http://schemas.microsoft.com/office/mac/drawingml/2011/main" xmlns="" val="1"/>
             </a:ext>
           </a:extLst>
         </p:spPr>
@@ -4881,7 +4882,7 @@
           </a:ln>
           <a:extLst>
             <a:ext uri="{C572A759-6A51-4108-AA02-DFA0A04FC94B}">
-              <ma14:wrappingTextBoxFlag xmlns:ma14="http://schemas.microsoft.com/office/mac/drawingml/2011/main" val="1"/>
+              <ma14:wrappingTextBoxFlag xmlns:ma14="http://schemas.microsoft.com/office/mac/drawingml/2011/main" xmlns="" val="1"/>
             </a:ext>
           </a:extLst>
         </p:spPr>
@@ -5008,7 +5009,7 @@
             <a:effectLst/>
             <a:extLst>
               <a:ext uri="{C572A759-6A51-4108-AA02-DFA0A04FC94B}">
-                <ma14:wrappingTextBoxFlag xmlns:ma14="http://schemas.microsoft.com/office/mac/drawingml/2011/main" val="1"/>
+                <ma14:wrappingTextBoxFlag xmlns:ma14="http://schemas.microsoft.com/office/mac/drawingml/2011/main" xmlns="" val="1"/>
               </a:ext>
             </a:extLst>
           </p:spPr>
@@ -5115,7 +5116,7 @@
           </a:ln>
           <a:extLst>
             <a:ext uri="{C572A759-6A51-4108-AA02-DFA0A04FC94B}">
-              <ma14:wrappingTextBoxFlag xmlns:ma14="http://schemas.microsoft.com/office/mac/drawingml/2011/main" val="1"/>
+              <ma14:wrappingTextBoxFlag xmlns:ma14="http://schemas.microsoft.com/office/mac/drawingml/2011/main" xmlns="" val="1"/>
             </a:ext>
           </a:extLst>
         </p:spPr>
@@ -5156,7 +5157,7 @@
           </a:ln>
           <a:extLst>
             <a:ext uri="{C572A759-6A51-4108-AA02-DFA0A04FC94B}">
-              <ma14:wrappingTextBoxFlag xmlns:ma14="http://schemas.microsoft.com/office/mac/drawingml/2011/main" val="1"/>
+              <ma14:wrappingTextBoxFlag xmlns:ma14="http://schemas.microsoft.com/office/mac/drawingml/2011/main" xmlns="" val="1"/>
             </a:ext>
           </a:extLst>
         </p:spPr>
@@ -5254,7 +5255,7 @@
           </a:ln>
           <a:extLst>
             <a:ext uri="{C572A759-6A51-4108-AA02-DFA0A04FC94B}">
-              <ma14:wrappingTextBoxFlag xmlns:ma14="http://schemas.microsoft.com/office/mac/drawingml/2011/main" val="1"/>
+              <ma14:wrappingTextBoxFlag xmlns:ma14="http://schemas.microsoft.com/office/mac/drawingml/2011/main" xmlns="" val="1"/>
             </a:ext>
           </a:extLst>
         </p:spPr>
@@ -5344,7 +5345,7 @@
           <a:graphicData uri="http://schemas.openxmlformats.org/presentationml/2006/ole">
             <mc:AlternateContent xmlns:mc="http://schemas.openxmlformats.org/markup-compatibility/2006">
               <mc:Choice xmlns:v="urn:schemas-microsoft-com:vml" Requires="v">
-                <p:oleObj spid="_x0000_s1035" name="Picture" r:id="rId3" imgW="2888640" imgH="3354120" progId="Word.Picture.8">
+                <p:oleObj spid="_x0000_s1036" name="Picture" r:id="rId3" imgW="2888640" imgH="3354120" progId="Word.Picture.8">
                   <p:embed/>
                 </p:oleObj>
               </mc:Choice>
@@ -5582,7 +5583,7 @@
             </a:ln>
             <a:extLst>
               <a:ext uri="{C572A759-6A51-4108-AA02-DFA0A04FC94B}">
-                <ma14:wrappingTextBoxFlag xmlns:ma14="http://schemas.microsoft.com/office/mac/drawingml/2011/main" val="1"/>
+                <ma14:wrappingTextBoxFlag xmlns:ma14="http://schemas.microsoft.com/office/mac/drawingml/2011/main" xmlns="" val="1"/>
               </a:ext>
             </a:extLst>
           </p:spPr>
@@ -5909,7 +5910,7 @@
             </a:ln>
             <a:extLst>
               <a:ext uri="{C572A759-6A51-4108-AA02-DFA0A04FC94B}">
-                <ma14:wrappingTextBoxFlag xmlns:ma14="http://schemas.microsoft.com/office/mac/drawingml/2011/main" val="1"/>
+                <ma14:wrappingTextBoxFlag xmlns:ma14="http://schemas.microsoft.com/office/mac/drawingml/2011/main" xmlns="" val="1"/>
               </a:ext>
             </a:extLst>
           </p:spPr>
@@ -6043,7 +6044,7 @@
           </a:ln>
           <a:extLst>
             <a:ext uri="{C572A759-6A51-4108-AA02-DFA0A04FC94B}">
-              <ma14:wrappingTextBoxFlag xmlns:ma14="http://schemas.microsoft.com/office/mac/drawingml/2011/main" val="1"/>
+              <ma14:wrappingTextBoxFlag xmlns:ma14="http://schemas.microsoft.com/office/mac/drawingml/2011/main" xmlns="" val="1"/>
             </a:ext>
           </a:extLst>
         </p:spPr>
@@ -6086,7 +6087,7 @@
           </a:ln>
           <a:extLst>
             <a:ext uri="{C572A759-6A51-4108-AA02-DFA0A04FC94B}">
-              <ma14:wrappingTextBoxFlag xmlns:ma14="http://schemas.microsoft.com/office/mac/drawingml/2011/main" val="1"/>
+              <ma14:wrappingTextBoxFlag xmlns:ma14="http://schemas.microsoft.com/office/mac/drawingml/2011/main" xmlns="" val="1"/>
             </a:ext>
           </a:extLst>
         </p:spPr>
@@ -6189,7 +6190,7 @@
           </a:ln>
           <a:extLst>
             <a:ext uri="{C572A759-6A51-4108-AA02-DFA0A04FC94B}">
-              <ma14:wrappingTextBoxFlag xmlns:ma14="http://schemas.microsoft.com/office/mac/drawingml/2011/main" val="1"/>
+              <ma14:wrappingTextBoxFlag xmlns:ma14="http://schemas.microsoft.com/office/mac/drawingml/2011/main" xmlns="" val="1"/>
             </a:ext>
           </a:extLst>
         </p:spPr>
@@ -6520,7 +6521,7 @@
             </a:ln>
             <a:extLst>
               <a:ext uri="{C572A759-6A51-4108-AA02-DFA0A04FC94B}">
-                <ma14:wrappingTextBoxFlag xmlns:ma14="http://schemas.microsoft.com/office/mac/drawingml/2011/main" val="1"/>
+                <ma14:wrappingTextBoxFlag xmlns:ma14="http://schemas.microsoft.com/office/mac/drawingml/2011/main" xmlns="" val="1"/>
               </a:ext>
             </a:extLst>
           </p:spPr>
@@ -7391,7 +7392,7 @@
             </a:ln>
             <a:extLst>
               <a:ext uri="{C572A759-6A51-4108-AA02-DFA0A04FC94B}">
-                <ma14:wrappingTextBoxFlag xmlns:ma14="http://schemas.microsoft.com/office/mac/drawingml/2011/main" val="1"/>
+                <ma14:wrappingTextBoxFlag xmlns:ma14="http://schemas.microsoft.com/office/mac/drawingml/2011/main" xmlns="" val="1"/>
               </a:ext>
             </a:extLst>
           </p:spPr>
@@ -8082,7 +8083,7 @@
           </a:ln>
           <a:extLst>
             <a:ext uri="{C572A759-6A51-4108-AA02-DFA0A04FC94B}">
-              <ma14:wrappingTextBoxFlag xmlns:ma14="http://schemas.microsoft.com/office/mac/drawingml/2011/main" val="1"/>
+              <ma14:wrappingTextBoxFlag xmlns:ma14="http://schemas.microsoft.com/office/mac/drawingml/2011/main" xmlns="" val="1"/>
             </a:ext>
           </a:extLst>
         </p:spPr>
@@ -8124,7 +8125,7 @@
           </a:ln>
           <a:extLst>
             <a:ext uri="{C572A759-6A51-4108-AA02-DFA0A04FC94B}">
-              <ma14:wrappingTextBoxFlag xmlns:ma14="http://schemas.microsoft.com/office/mac/drawingml/2011/main" val="1"/>
+              <ma14:wrappingTextBoxFlag xmlns:ma14="http://schemas.microsoft.com/office/mac/drawingml/2011/main" xmlns="" val="1"/>
             </a:ext>
           </a:extLst>
         </p:spPr>
@@ -8227,7 +8228,7 @@
           </a:ln>
           <a:extLst>
             <a:ext uri="{C572A759-6A51-4108-AA02-DFA0A04FC94B}">
-              <ma14:wrappingTextBoxFlag xmlns:ma14="http://schemas.microsoft.com/office/mac/drawingml/2011/main" val="1"/>
+              <ma14:wrappingTextBoxFlag xmlns:ma14="http://schemas.microsoft.com/office/mac/drawingml/2011/main" xmlns="" val="1"/>
             </a:ext>
           </a:extLst>
         </p:spPr>
@@ -8572,7 +8573,7 @@
           </a:ln>
           <a:extLst>
             <a:ext uri="{C572A759-6A51-4108-AA02-DFA0A04FC94B}">
-              <ma14:wrappingTextBoxFlag xmlns:ma14="http://schemas.microsoft.com/office/mac/drawingml/2011/main" val="1"/>
+              <ma14:wrappingTextBoxFlag xmlns:ma14="http://schemas.microsoft.com/office/mac/drawingml/2011/main" xmlns="" val="1"/>
             </a:ext>
           </a:extLst>
         </p:spPr>
@@ -8627,7 +8628,7 @@
             </a:ln>
             <a:extLst>
               <a:ext uri="{C572A759-6A51-4108-AA02-DFA0A04FC94B}">
-                <ma14:wrappingTextBoxFlag xmlns:ma14="http://schemas.microsoft.com/office/mac/drawingml/2011/main" val="1"/>
+                <ma14:wrappingTextBoxFlag xmlns:ma14="http://schemas.microsoft.com/office/mac/drawingml/2011/main" xmlns="" val="1"/>
               </a:ext>
             </a:extLst>
           </p:spPr>
@@ -8940,7 +8941,7 @@
           </a:ln>
           <a:extLst>
             <a:ext uri="{C572A759-6A51-4108-AA02-DFA0A04FC94B}">
-              <ma14:wrappingTextBoxFlag xmlns:ma14="http://schemas.microsoft.com/office/mac/drawingml/2011/main" val="1"/>
+              <ma14:wrappingTextBoxFlag xmlns:ma14="http://schemas.microsoft.com/office/mac/drawingml/2011/main" xmlns="" val="1"/>
             </a:ext>
           </a:extLst>
         </p:spPr>
@@ -8995,7 +8996,7 @@
             </a:ln>
             <a:extLst>
               <a:ext uri="{C572A759-6A51-4108-AA02-DFA0A04FC94B}">
-                <ma14:wrappingTextBoxFlag xmlns:ma14="http://schemas.microsoft.com/office/mac/drawingml/2011/main" val="1"/>
+                <ma14:wrappingTextBoxFlag xmlns:ma14="http://schemas.microsoft.com/office/mac/drawingml/2011/main" xmlns="" val="1"/>
               </a:ext>
             </a:extLst>
           </p:spPr>
@@ -9290,7 +9291,7 @@
           </a:ln>
           <a:extLst>
             <a:ext uri="{C572A759-6A51-4108-AA02-DFA0A04FC94B}">
-              <ma14:wrappingTextBoxFlag xmlns:ma14="http://schemas.microsoft.com/office/mac/drawingml/2011/main" val="1"/>
+              <ma14:wrappingTextBoxFlag xmlns:ma14="http://schemas.microsoft.com/office/mac/drawingml/2011/main" xmlns="" val="1"/>
             </a:ext>
           </a:extLst>
         </p:spPr>
@@ -9345,7 +9346,7 @@
             </a:ln>
             <a:extLst>
               <a:ext uri="{C572A759-6A51-4108-AA02-DFA0A04FC94B}">
-                <ma14:wrappingTextBoxFlag xmlns:ma14="http://schemas.microsoft.com/office/mac/drawingml/2011/main" val="1"/>
+                <ma14:wrappingTextBoxFlag xmlns:ma14="http://schemas.microsoft.com/office/mac/drawingml/2011/main" xmlns="" val="1"/>
               </a:ext>
             </a:extLst>
           </p:spPr>
@@ -9522,7 +9523,7 @@
           </a:ln>
           <a:extLst>
             <a:ext uri="{C572A759-6A51-4108-AA02-DFA0A04FC94B}">
-              <ma14:wrappingTextBoxFlag xmlns:ma14="http://schemas.microsoft.com/office/mac/drawingml/2011/main" val="1"/>
+              <ma14:wrappingTextBoxFlag xmlns:ma14="http://schemas.microsoft.com/office/mac/drawingml/2011/main" xmlns="" val="1"/>
             </a:ext>
           </a:extLst>
         </p:spPr>
@@ -9988,7 +9989,7 @@
             </a:ln>
             <a:extLst>
               <a:ext uri="{C572A759-6A51-4108-AA02-DFA0A04FC94B}">
-                <ma14:wrappingTextBoxFlag xmlns:ma14="http://schemas.microsoft.com/office/mac/drawingml/2011/main" val="1"/>
+                <ma14:wrappingTextBoxFlag xmlns:ma14="http://schemas.microsoft.com/office/mac/drawingml/2011/main" xmlns="" val="1"/>
               </a:ext>
             </a:extLst>
           </p:spPr>
@@ -10125,7 +10126,7 @@
           </a:ln>
           <a:extLst>
             <a:ext uri="{C572A759-6A51-4108-AA02-DFA0A04FC94B}">
-              <ma14:wrappingTextBoxFlag xmlns:ma14="http://schemas.microsoft.com/office/mac/drawingml/2011/main" val="1"/>
+              <ma14:wrappingTextBoxFlag xmlns:ma14="http://schemas.microsoft.com/office/mac/drawingml/2011/main" xmlns="" val="1"/>
             </a:ext>
           </a:extLst>
         </p:spPr>
@@ -10388,7 +10389,7 @@
           </a:ln>
           <a:extLst>
             <a:ext uri="{C572A759-6A51-4108-AA02-DFA0A04FC94B}">
-              <ma14:wrappingTextBoxFlag xmlns:ma14="http://schemas.microsoft.com/office/mac/drawingml/2011/main" val="1"/>
+              <ma14:wrappingTextBoxFlag xmlns:ma14="http://schemas.microsoft.com/office/mac/drawingml/2011/main" xmlns="" val="1"/>
             </a:ext>
           </a:extLst>
         </p:spPr>
@@ -10442,7 +10443,7 @@
             </a:ln>
             <a:extLst>
               <a:ext uri="{C572A759-6A51-4108-AA02-DFA0A04FC94B}">
-                <ma14:wrappingTextBoxFlag xmlns:ma14="http://schemas.microsoft.com/office/mac/drawingml/2011/main" val="1"/>
+                <ma14:wrappingTextBoxFlag xmlns:ma14="http://schemas.microsoft.com/office/mac/drawingml/2011/main" xmlns="" val="1"/>
               </a:ext>
             </a:extLst>
           </p:spPr>
@@ -10634,7 +10635,7 @@
             </a:ln>
             <a:extLst>
               <a:ext uri="{C572A759-6A51-4108-AA02-DFA0A04FC94B}">
-                <ma14:wrappingTextBoxFlag xmlns:ma14="http://schemas.microsoft.com/office/mac/drawingml/2011/main" val="1"/>
+                <ma14:wrappingTextBoxFlag xmlns:ma14="http://schemas.microsoft.com/office/mac/drawingml/2011/main" xmlns="" val="1"/>
               </a:ext>
             </a:extLst>
           </p:spPr>
@@ -10724,7 +10725,7 @@
           </a:ln>
           <a:extLst>
             <a:ext uri="{C572A759-6A51-4108-AA02-DFA0A04FC94B}">
-              <ma14:wrappingTextBoxFlag xmlns:ma14="http://schemas.microsoft.com/office/mac/drawingml/2011/main" val="1"/>
+              <ma14:wrappingTextBoxFlag xmlns:ma14="http://schemas.microsoft.com/office/mac/drawingml/2011/main" xmlns="" val="1"/>
             </a:ext>
           </a:extLst>
         </p:spPr>
@@ -10751,7 +10752,7 @@
           <p:cNvPr id="15" name="Rectangle 23">
             <a:extLst>
               <a:ext uri="{FF2B5EF4-FFF2-40B4-BE49-F238E27FC236}">
-                <a16:creationId xmlns:a16="http://schemas.microsoft.com/office/drawing/2014/main" xmlns="" id="{97C5F671-EB6F-4D9D-9B16-26F3D901F298}"/>
+                <a16:creationId xmlns="" xmlns:a16="http://schemas.microsoft.com/office/drawing/2014/main" id="{97C5F671-EB6F-4D9D-9B16-26F3D901F298}"/>
               </a:ext>
             </a:extLst>
           </p:cNvPr>
@@ -11005,7 +11006,7 @@
             </a:ln>
             <a:extLst>
               <a:ext uri="{C572A759-6A51-4108-AA02-DFA0A04FC94B}">
-                <ma14:wrappingTextBoxFlag xmlns:ma14="http://schemas.microsoft.com/office/mac/drawingml/2011/main" val="1"/>
+                <ma14:wrappingTextBoxFlag xmlns:ma14="http://schemas.microsoft.com/office/mac/drawingml/2011/main" xmlns="" val="1"/>
               </a:ext>
             </a:extLst>
           </p:spPr>
@@ -11095,7 +11096,7 @@
           </a:ln>
           <a:extLst>
             <a:ext uri="{C572A759-6A51-4108-AA02-DFA0A04FC94B}">
-              <ma14:wrappingTextBoxFlag xmlns:ma14="http://schemas.microsoft.com/office/mac/drawingml/2011/main" val="1"/>
+              <ma14:wrappingTextBoxFlag xmlns:ma14="http://schemas.microsoft.com/office/mac/drawingml/2011/main" xmlns="" val="1"/>
             </a:ext>
           </a:extLst>
         </p:spPr>
@@ -11122,7 +11123,7 @@
           <p:cNvPr id="15" name="Rectangle 23">
             <a:extLst>
               <a:ext uri="{FF2B5EF4-FFF2-40B4-BE49-F238E27FC236}">
-                <a16:creationId xmlns:a16="http://schemas.microsoft.com/office/drawing/2014/main" xmlns="" id="{97C5F671-EB6F-4D9D-9B16-26F3D901F298}"/>
+                <a16:creationId xmlns="" xmlns:a16="http://schemas.microsoft.com/office/drawing/2014/main" id="{97C5F671-EB6F-4D9D-9B16-26F3D901F298}"/>
               </a:ext>
             </a:extLst>
           </p:cNvPr>
@@ -11397,7 +11398,7 @@
             </a:ln>
             <a:extLst>
               <a:ext uri="{C572A759-6A51-4108-AA02-DFA0A04FC94B}">
-                <ma14:wrappingTextBoxFlag xmlns:ma14="http://schemas.microsoft.com/office/mac/drawingml/2011/main" val="1"/>
+                <ma14:wrappingTextBoxFlag xmlns:ma14="http://schemas.microsoft.com/office/mac/drawingml/2011/main" xmlns="" val="1"/>
               </a:ext>
             </a:extLst>
           </p:spPr>
@@ -11487,7 +11488,7 @@
           </a:ln>
           <a:extLst>
             <a:ext uri="{C572A759-6A51-4108-AA02-DFA0A04FC94B}">
-              <ma14:wrappingTextBoxFlag xmlns:ma14="http://schemas.microsoft.com/office/mac/drawingml/2011/main" val="1"/>
+              <ma14:wrappingTextBoxFlag xmlns:ma14="http://schemas.microsoft.com/office/mac/drawingml/2011/main" xmlns="" val="1"/>
             </a:ext>
           </a:extLst>
         </p:spPr>
@@ -11514,7 +11515,7 @@
           <p:cNvPr id="15" name="Rectangle 23">
             <a:extLst>
               <a:ext uri="{FF2B5EF4-FFF2-40B4-BE49-F238E27FC236}">
-                <a16:creationId xmlns:a16="http://schemas.microsoft.com/office/drawing/2014/main" xmlns="" id="{97C5F671-EB6F-4D9D-9B16-26F3D901F298}"/>
+                <a16:creationId xmlns="" xmlns:a16="http://schemas.microsoft.com/office/drawing/2014/main" id="{97C5F671-EB6F-4D9D-9B16-26F3D901F298}"/>
               </a:ext>
             </a:extLst>
           </p:cNvPr>
@@ -11785,7 +11786,7 @@
             </a:ln>
             <a:extLst>
               <a:ext uri="{C572A759-6A51-4108-AA02-DFA0A04FC94B}">
-                <ma14:wrappingTextBoxFlag xmlns:ma14="http://schemas.microsoft.com/office/mac/drawingml/2011/main" val="1"/>
+                <ma14:wrappingTextBoxFlag xmlns:ma14="http://schemas.microsoft.com/office/mac/drawingml/2011/main" xmlns="" val="1"/>
               </a:ext>
             </a:extLst>
           </p:spPr>
@@ -11948,7 +11949,7 @@
           </a:ln>
           <a:extLst>
             <a:ext uri="{C572A759-6A51-4108-AA02-DFA0A04FC94B}">
-              <ma14:wrappingTextBoxFlag xmlns:ma14="http://schemas.microsoft.com/office/mac/drawingml/2011/main" val="1"/>
+              <ma14:wrappingTextBoxFlag xmlns:ma14="http://schemas.microsoft.com/office/mac/drawingml/2011/main" xmlns="" val="1"/>
             </a:ext>
           </a:extLst>
         </p:spPr>
@@ -12142,7 +12143,7 @@
           <p:cNvPr id="2" name="图片占位符 21">
             <a:extLst>
               <a:ext uri="{FF2B5EF4-FFF2-40B4-BE49-F238E27FC236}">
-                <a16:creationId xmlns:a16="http://schemas.microsoft.com/office/drawing/2014/main" xmlns="" id="{7F2A54B5-AA23-4C38-96E8-59CEDF22F51D}"/>
+                <a16:creationId xmlns="" xmlns:a16="http://schemas.microsoft.com/office/drawing/2014/main" id="{7F2A54B5-AA23-4C38-96E8-59CEDF22F51D}"/>
               </a:ext>
             </a:extLst>
           </p:cNvPr>
@@ -12179,7 +12180,7 @@
           <p:cNvPr id="3" name="矩形 2">
             <a:extLst>
               <a:ext uri="{FF2B5EF4-FFF2-40B4-BE49-F238E27FC236}">
-                <a16:creationId xmlns:a16="http://schemas.microsoft.com/office/drawing/2014/main" xmlns="" id="{049E72D3-E24E-4E00-938B-ED20CC56A228}"/>
+                <a16:creationId xmlns="" xmlns:a16="http://schemas.microsoft.com/office/drawing/2014/main" id="{049E72D3-E24E-4E00-938B-ED20CC56A228}"/>
               </a:ext>
             </a:extLst>
           </p:cNvPr>
@@ -12222,7 +12223,7 @@
           <p:cNvPr id="4" name="图表 3">
             <a:extLst>
               <a:ext uri="{FF2B5EF4-FFF2-40B4-BE49-F238E27FC236}">
-                <a16:creationId xmlns:a16="http://schemas.microsoft.com/office/drawing/2014/main" xmlns="" id="{21AB130C-3DD4-4DCE-89D9-8835C9013FBA}"/>
+                <a16:creationId xmlns="" xmlns:a16="http://schemas.microsoft.com/office/drawing/2014/main" id="{21AB130C-3DD4-4DCE-89D9-8835C9013FBA}"/>
               </a:ext>
             </a:extLst>
           </p:cNvPr>
@@ -12252,7 +12253,7 @@
           <p:cNvPr id="5" name="矩形 4">
             <a:extLst>
               <a:ext uri="{FF2B5EF4-FFF2-40B4-BE49-F238E27FC236}">
-                <a16:creationId xmlns:a16="http://schemas.microsoft.com/office/drawing/2014/main" xmlns="" id="{03453983-2FCE-4526-9E92-647AE1224758}"/>
+                <a16:creationId xmlns="" xmlns:a16="http://schemas.microsoft.com/office/drawing/2014/main" id="{03453983-2FCE-4526-9E92-647AE1224758}"/>
               </a:ext>
             </a:extLst>
           </p:cNvPr>
@@ -12290,7 +12291,7 @@
           <p:cNvPr id="6" name="矩形 5">
             <a:extLst>
               <a:ext uri="{FF2B5EF4-FFF2-40B4-BE49-F238E27FC236}">
-                <a16:creationId xmlns:a16="http://schemas.microsoft.com/office/drawing/2014/main" xmlns="" id="{8250D363-DB86-4DAB-B573-7C751FE3779E}"/>
+                <a16:creationId xmlns="" xmlns:a16="http://schemas.microsoft.com/office/drawing/2014/main" id="{8250D363-DB86-4DAB-B573-7C751FE3779E}"/>
               </a:ext>
             </a:extLst>
           </p:cNvPr>
@@ -12421,7 +12422,7 @@
             </a:ln>
             <a:extLst>
               <a:ext uri="{C572A759-6A51-4108-AA02-DFA0A04FC94B}">
-                <ma14:wrappingTextBoxFlag xmlns:ma14="http://schemas.microsoft.com/office/mac/drawingml/2011/main" val="1"/>
+                <ma14:wrappingTextBoxFlag xmlns:ma14="http://schemas.microsoft.com/office/mac/drawingml/2011/main" xmlns="" val="1"/>
               </a:ext>
             </a:extLst>
           </p:spPr>
@@ -12551,7 +12552,7 @@
           </a:ln>
           <a:extLst>
             <a:ext uri="{C572A759-6A51-4108-AA02-DFA0A04FC94B}">
-              <ma14:wrappingTextBoxFlag xmlns:ma14="http://schemas.microsoft.com/office/mac/drawingml/2011/main" val="1"/>
+              <ma14:wrappingTextBoxFlag xmlns:ma14="http://schemas.microsoft.com/office/mac/drawingml/2011/main" xmlns="" val="1"/>
             </a:ext>
           </a:extLst>
         </p:spPr>
@@ -13456,7 +13457,7 @@
           </a:ln>
           <a:extLst>
             <a:ext uri="{C572A759-6A51-4108-AA02-DFA0A04FC94B}">
-              <ma14:wrappingTextBoxFlag xmlns:ma14="http://schemas.microsoft.com/office/mac/drawingml/2011/main" val="1"/>
+              <ma14:wrappingTextBoxFlag xmlns:ma14="http://schemas.microsoft.com/office/mac/drawingml/2011/main" xmlns="" val="1"/>
             </a:ext>
           </a:extLst>
         </p:spPr>
@@ -13508,7 +13509,7 @@
           </a:ln>
           <a:extLst>
             <a:ext uri="{C572A759-6A51-4108-AA02-DFA0A04FC94B}">
-              <ma14:wrappingTextBoxFlag xmlns:ma14="http://schemas.microsoft.com/office/mac/drawingml/2011/main" val="1"/>
+              <ma14:wrappingTextBoxFlag xmlns:ma14="http://schemas.microsoft.com/office/mac/drawingml/2011/main" xmlns="" val="1"/>
             </a:ext>
           </a:extLst>
         </p:spPr>
@@ -13549,7 +13550,7 @@
           </a:ln>
           <a:extLst>
             <a:ext uri="{C572A759-6A51-4108-AA02-DFA0A04FC94B}">
-              <ma14:wrappingTextBoxFlag xmlns:ma14="http://schemas.microsoft.com/office/mac/drawingml/2011/main" val="1"/>
+              <ma14:wrappingTextBoxFlag xmlns:ma14="http://schemas.microsoft.com/office/mac/drawingml/2011/main" xmlns="" val="1"/>
             </a:ext>
           </a:extLst>
         </p:spPr>
@@ -13589,7 +13590,7 @@
           </a:ln>
           <a:extLst>
             <a:ext uri="{C572A759-6A51-4108-AA02-DFA0A04FC94B}">
-              <ma14:wrappingTextBoxFlag xmlns:ma14="http://schemas.microsoft.com/office/mac/drawingml/2011/main" val="1"/>
+              <ma14:wrappingTextBoxFlag xmlns:ma14="http://schemas.microsoft.com/office/mac/drawingml/2011/main" xmlns="" val="1"/>
             </a:ext>
           </a:extLst>
         </p:spPr>
@@ -13629,7 +13630,7 @@
           </a:ln>
           <a:extLst>
             <a:ext uri="{C572A759-6A51-4108-AA02-DFA0A04FC94B}">
-              <ma14:wrappingTextBoxFlag xmlns:ma14="http://schemas.microsoft.com/office/mac/drawingml/2011/main" val="1"/>
+              <ma14:wrappingTextBoxFlag xmlns:ma14="http://schemas.microsoft.com/office/mac/drawingml/2011/main" xmlns="" val="1"/>
             </a:ext>
           </a:extLst>
         </p:spPr>
@@ -13669,7 +13670,7 @@
           </a:ln>
           <a:extLst>
             <a:ext uri="{C572A759-6A51-4108-AA02-DFA0A04FC94B}">
-              <ma14:wrappingTextBoxFlag xmlns:ma14="http://schemas.microsoft.com/office/mac/drawingml/2011/main" val="1"/>
+              <ma14:wrappingTextBoxFlag xmlns:ma14="http://schemas.microsoft.com/office/mac/drawingml/2011/main" xmlns="" val="1"/>
             </a:ext>
           </a:extLst>
         </p:spPr>
@@ -13710,7 +13711,7 @@
           </a:ln>
           <a:extLst>
             <a:ext uri="{C572A759-6A51-4108-AA02-DFA0A04FC94B}">
-              <ma14:wrappingTextBoxFlag xmlns:ma14="http://schemas.microsoft.com/office/mac/drawingml/2011/main" val="1"/>
+              <ma14:wrappingTextBoxFlag xmlns:ma14="http://schemas.microsoft.com/office/mac/drawingml/2011/main" xmlns="" val="1"/>
             </a:ext>
           </a:extLst>
         </p:spPr>
@@ -13751,7 +13752,7 @@
           </a:ln>
           <a:extLst>
             <a:ext uri="{C572A759-6A51-4108-AA02-DFA0A04FC94B}">
-              <ma14:wrappingTextBoxFlag xmlns:ma14="http://schemas.microsoft.com/office/mac/drawingml/2011/main" val="1"/>
+              <ma14:wrappingTextBoxFlag xmlns:ma14="http://schemas.microsoft.com/office/mac/drawingml/2011/main" xmlns="" val="1"/>
             </a:ext>
           </a:extLst>
         </p:spPr>
@@ -13817,7 +13818,7 @@
           </a:ln>
           <a:extLst>
             <a:ext uri="{C572A759-6A51-4108-AA02-DFA0A04FC94B}">
-              <ma14:wrappingTextBoxFlag xmlns:ma14="http://schemas.microsoft.com/office/mac/drawingml/2011/main" val="1"/>
+              <ma14:wrappingTextBoxFlag xmlns:ma14="http://schemas.microsoft.com/office/mac/drawingml/2011/main" xmlns="" val="1"/>
             </a:ext>
           </a:extLst>
         </p:spPr>
@@ -13882,7 +13883,7 @@
           </a:ln>
           <a:extLst>
             <a:ext uri="{C572A759-6A51-4108-AA02-DFA0A04FC94B}">
-              <ma14:wrappingTextBoxFlag xmlns:ma14="http://schemas.microsoft.com/office/mac/drawingml/2011/main" val="1"/>
+              <ma14:wrappingTextBoxFlag xmlns:ma14="http://schemas.microsoft.com/office/mac/drawingml/2011/main" xmlns="" val="1"/>
             </a:ext>
           </a:extLst>
         </p:spPr>
@@ -13963,7 +13964,7 @@
           </a:ln>
           <a:extLst>
             <a:ext uri="{C572A759-6A51-4108-AA02-DFA0A04FC94B}">
-              <ma14:wrappingTextBoxFlag xmlns:ma14="http://schemas.microsoft.com/office/mac/drawingml/2011/main" val="1"/>
+              <ma14:wrappingTextBoxFlag xmlns:ma14="http://schemas.microsoft.com/office/mac/drawingml/2011/main" xmlns="" val="1"/>
             </a:ext>
           </a:extLst>
         </p:spPr>
@@ -14028,7 +14029,7 @@
           </a:ln>
           <a:extLst>
             <a:ext uri="{C572A759-6A51-4108-AA02-DFA0A04FC94B}">
-              <ma14:wrappingTextBoxFlag xmlns:ma14="http://schemas.microsoft.com/office/mac/drawingml/2011/main" val="1"/>
+              <ma14:wrappingTextBoxFlag xmlns:ma14="http://schemas.microsoft.com/office/mac/drawingml/2011/main" xmlns="" val="1"/>
             </a:ext>
           </a:extLst>
         </p:spPr>
@@ -14093,7 +14094,7 @@
           </a:ln>
           <a:extLst>
             <a:ext uri="{C572A759-6A51-4108-AA02-DFA0A04FC94B}">
-              <ma14:wrappingTextBoxFlag xmlns:ma14="http://schemas.microsoft.com/office/mac/drawingml/2011/main" val="1"/>
+              <ma14:wrappingTextBoxFlag xmlns:ma14="http://schemas.microsoft.com/office/mac/drawingml/2011/main" xmlns="" val="1"/>
             </a:ext>
           </a:extLst>
         </p:spPr>
@@ -14374,7 +14375,7 @@
           </a:ln>
           <a:extLst>
             <a:ext uri="{C572A759-6A51-4108-AA02-DFA0A04FC94B}">
-              <ma14:wrappingTextBoxFlag xmlns:ma14="http://schemas.microsoft.com/office/mac/drawingml/2011/main" val="1"/>
+              <ma14:wrappingTextBoxFlag xmlns:ma14="http://schemas.microsoft.com/office/mac/drawingml/2011/main" xmlns="" val="1"/>
             </a:ext>
           </a:extLst>
         </p:spPr>
@@ -15695,7 +15696,7 @@
           </a:ln>
           <a:extLst>
             <a:ext uri="{C572A759-6A51-4108-AA02-DFA0A04FC94B}">
-              <ma14:wrappingTextBoxFlag xmlns:ma14="http://schemas.microsoft.com/office/mac/drawingml/2011/main" val="1"/>
+              <ma14:wrappingTextBoxFlag xmlns:ma14="http://schemas.microsoft.com/office/mac/drawingml/2011/main" xmlns="" val="1"/>
             </a:ext>
           </a:extLst>
         </p:spPr>
@@ -15737,7 +15738,7 @@
           </a:ln>
           <a:extLst>
             <a:ext uri="{C572A759-6A51-4108-AA02-DFA0A04FC94B}">
-              <ma14:wrappingTextBoxFlag xmlns:ma14="http://schemas.microsoft.com/office/mac/drawingml/2011/main" val="1"/>
+              <ma14:wrappingTextBoxFlag xmlns:ma14="http://schemas.microsoft.com/office/mac/drawingml/2011/main" xmlns="" val="1"/>
             </a:ext>
           </a:extLst>
         </p:spPr>
@@ -15835,7 +15836,7 @@
           </a:ln>
           <a:extLst>
             <a:ext uri="{C572A759-6A51-4108-AA02-DFA0A04FC94B}">
-              <ma14:wrappingTextBoxFlag xmlns:ma14="http://schemas.microsoft.com/office/mac/drawingml/2011/main" val="1"/>
+              <ma14:wrappingTextBoxFlag xmlns:ma14="http://schemas.microsoft.com/office/mac/drawingml/2011/main" xmlns="" val="1"/>
             </a:ext>
           </a:extLst>
         </p:spPr>
@@ -15929,7 +15930,7 @@
           </a:ln>
           <a:extLst>
             <a:ext uri="{C572A759-6A51-4108-AA02-DFA0A04FC94B}">
-              <ma14:wrappingTextBoxFlag xmlns:ma14="http://schemas.microsoft.com/office/mac/drawingml/2011/main" val="1"/>
+              <ma14:wrappingTextBoxFlag xmlns:ma14="http://schemas.microsoft.com/office/mac/drawingml/2011/main" xmlns="" val="1"/>
             </a:ext>
           </a:extLst>
         </p:spPr>
@@ -16115,6 +16116,126 @@
           <a:chExt cx="0" cy="0"/>
         </a:xfrm>
       </p:grpSpPr>
+      <p:graphicFrame>
+        <p:nvGraphicFramePr>
+          <p:cNvPr id="2" name="对象 1"/>
+          <p:cNvGraphicFramePr>
+            <a:graphicFrameLocks noChangeAspect="1"/>
+          </p:cNvGraphicFramePr>
+          <p:nvPr>
+            <p:extLst>
+              <p:ext uri="{D42A27DB-BD31-4B8C-83A1-F6EECF244321}">
+                <p14:modId xmlns:p14="http://schemas.microsoft.com/office/powerpoint/2010/main" val="3040630683"/>
+              </p:ext>
+            </p:extLst>
+          </p:nvPr>
+        </p:nvGraphicFramePr>
+        <p:xfrm>
+          <a:off x="1849438" y="904875"/>
+          <a:ext cx="6138862" cy="4752975"/>
+        </p:xfrm>
+        <a:graphic>
+          <a:graphicData uri="http://schemas.openxmlformats.org/presentationml/2006/ole">
+            <mc:AlternateContent xmlns:mc="http://schemas.openxmlformats.org/markup-compatibility/2006">
+              <mc:Choice xmlns:v="urn:schemas-microsoft-com:vml" Requires="v">
+                <p:oleObj spid="_x0000_s2052" name="文档" r:id="rId3" imgW="5405504" imgH="4186559" progId="Word.Document.12">
+                  <p:embed/>
+                </p:oleObj>
+              </mc:Choice>
+              <mc:Fallback>
+                <p:oleObj name="文档" r:id="rId3" imgW="5405504" imgH="4186559" progId="Word.Document.12">
+                  <p:embed/>
+                  <p:pic>
+                    <p:nvPicPr>
+                      <p:cNvPr id="0" name="对象 2"/>
+                      <p:cNvPicPr>
+                        <a:picLocks noChangeAspect="1" noChangeArrowheads="1"/>
+                      </p:cNvPicPr>
+                      <p:nvPr/>
+                    </p:nvPicPr>
+                    <p:blipFill>
+                      <a:blip r:embed="rId4">
+                        <a:extLst>
+                          <a:ext uri="{28A0092B-C50C-407E-A947-70E740481C1C}">
+                            <a14:useLocalDpi xmlns:a14="http://schemas.microsoft.com/office/drawing/2010/main" val="0"/>
+                          </a:ext>
+                        </a:extLst>
+                      </a:blip>
+                      <a:srcRect/>
+                      <a:stretch>
+                        <a:fillRect/>
+                      </a:stretch>
+                    </p:blipFill>
+                    <p:spPr bwMode="auto">
+                      <a:xfrm>
+                        <a:off x="1849438" y="904875"/>
+                        <a:ext cx="6138862" cy="4752975"/>
+                      </a:xfrm>
+                      <a:prstGeom prst="rect">
+                        <a:avLst/>
+                      </a:prstGeom>
+                      <a:noFill/>
+                      <a:ln>
+                        <a:noFill/>
+                      </a:ln>
+                      <a:extLst>
+                        <a:ext uri="{909E8E84-426E-40DD-AFC4-6F175D3DCCD1}">
+                          <a14:hiddenFill xmlns:a14="http://schemas.microsoft.com/office/drawing/2010/main">
+                            <a:solidFill>
+                              <a:srgbClr val="FFFFFF"/>
+                            </a:solidFill>
+                          </a14:hiddenFill>
+                        </a:ext>
+                        <a:ext uri="{91240B29-F687-4F45-9708-019B960494DF}">
+                          <a14:hiddenLine xmlns:a14="http://schemas.microsoft.com/office/drawing/2010/main" w="9525">
+                            <a:solidFill>
+                              <a:srgbClr val="000000"/>
+                            </a:solidFill>
+                            <a:miter lim="800000"/>
+                            <a:headEnd/>
+                            <a:tailEnd/>
+                          </a14:hiddenLine>
+                        </a:ext>
+                      </a:extLst>
+                    </p:spPr>
+                  </p:pic>
+                </p:oleObj>
+              </mc:Fallback>
+            </mc:AlternateContent>
+          </a:graphicData>
+        </a:graphic>
+      </p:graphicFrame>
+    </p:spTree>
+    <p:extLst>
+      <p:ext uri="{BB962C8B-B14F-4D97-AF65-F5344CB8AC3E}">
+        <p14:creationId xmlns:p14="http://schemas.microsoft.com/office/powerpoint/2010/main" val="2224434328"/>
+      </p:ext>
+    </p:extLst>
+  </p:cSld>
+  <p:clrMapOvr>
+    <a:masterClrMapping/>
+  </p:clrMapOvr>
+  <p:transition spd="med"/>
+</p:sld>
+</file>
+
+<file path=ppt/slides/slide38.xml><?xml version="1.0" encoding="utf-8"?>
+<p:sld xmlns:a="http://schemas.openxmlformats.org/drawingml/2006/main" xmlns:r="http://schemas.openxmlformats.org/officeDocument/2006/relationships" xmlns:p="http://schemas.openxmlformats.org/presentationml/2006/main">
+  <p:cSld>
+    <p:spTree>
+      <p:nvGrpSpPr>
+        <p:cNvPr id="1" name=""/>
+        <p:cNvGrpSpPr/>
+        <p:nvPr/>
+      </p:nvGrpSpPr>
+      <p:grpSpPr>
+        <a:xfrm>
+          <a:off x="0" y="0"/>
+          <a:ext cx="0" cy="0"/>
+          <a:chOff x="0" y="0"/>
+          <a:chExt cx="0" cy="0"/>
+        </a:xfrm>
+      </p:grpSpPr>
       <p:sp>
         <p:nvSpPr>
           <p:cNvPr id="702" name="矩形 4"/>
@@ -16134,7 +16255,7 @@
           </a:ln>
           <a:extLst>
             <a:ext uri="{C572A759-6A51-4108-AA02-DFA0A04FC94B}">
-              <ma14:wrappingTextBoxFlag xmlns:ma14="http://schemas.microsoft.com/office/mac/drawingml/2011/main" val="1"/>
+              <ma14:wrappingTextBoxFlag xmlns:ma14="http://schemas.microsoft.com/office/mac/drawingml/2011/main" xmlns="" val="1"/>
             </a:ext>
           </a:extLst>
         </p:spPr>
@@ -16264,7 +16385,7 @@
             <a:effectLst/>
             <a:extLst>
               <a:ext uri="{C572A759-6A51-4108-AA02-DFA0A04FC94B}">
-                <ma14:wrappingTextBoxFlag xmlns:ma14="http://schemas.microsoft.com/office/mac/drawingml/2011/main" val="1"/>
+                <ma14:wrappingTextBoxFlag xmlns:ma14="http://schemas.microsoft.com/office/mac/drawingml/2011/main" xmlns="" val="1"/>
               </a:ext>
             </a:extLst>
           </p:spPr>
@@ -16345,7 +16466,7 @@
           </a:ln>
           <a:extLst>
             <a:ext uri="{C572A759-6A51-4108-AA02-DFA0A04FC94B}">
-              <ma14:wrappingTextBoxFlag xmlns:ma14="http://schemas.microsoft.com/office/mac/drawingml/2011/main" val="1"/>
+              <ma14:wrappingTextBoxFlag xmlns:ma14="http://schemas.microsoft.com/office/mac/drawingml/2011/main" xmlns="" val="1"/>
             </a:ext>
           </a:extLst>
         </p:spPr>
@@ -16455,7 +16576,7 @@
           </a:ln>
           <a:extLst>
             <a:ext uri="{C572A759-6A51-4108-AA02-DFA0A04FC94B}">
-              <ma14:wrappingTextBoxFlag xmlns:ma14="http://schemas.microsoft.com/office/mac/drawingml/2011/main" val="1"/>
+              <ma14:wrappingTextBoxFlag xmlns:ma14="http://schemas.microsoft.com/office/mac/drawingml/2011/main" xmlns="" val="1"/>
             </a:ext>
           </a:extLst>
         </p:spPr>
@@ -16496,7 +16617,7 @@
           </a:ln>
           <a:extLst>
             <a:ext uri="{C572A759-6A51-4108-AA02-DFA0A04FC94B}">
-              <ma14:wrappingTextBoxFlag xmlns:ma14="http://schemas.microsoft.com/office/mac/drawingml/2011/main" val="1"/>
+              <ma14:wrappingTextBoxFlag xmlns:ma14="http://schemas.microsoft.com/office/mac/drawingml/2011/main" xmlns="" val="1"/>
             </a:ext>
           </a:extLst>
         </p:spPr>
@@ -16598,7 +16719,7 @@
           </a:ln>
           <a:extLst>
             <a:ext uri="{C572A759-6A51-4108-AA02-DFA0A04FC94B}">
-              <ma14:wrappingTextBoxFlag xmlns:ma14="http://schemas.microsoft.com/office/mac/drawingml/2011/main" val="1"/>
+              <ma14:wrappingTextBoxFlag xmlns:ma14="http://schemas.microsoft.com/office/mac/drawingml/2011/main" xmlns="" val="1"/>
             </a:ext>
           </a:extLst>
         </p:spPr>
@@ -16704,7 +16825,7 @@
             </a:ln>
             <a:extLst>
               <a:ext uri="{C572A759-6A51-4108-AA02-DFA0A04FC94B}">
-                <ma14:wrappingTextBoxFlag xmlns:ma14="http://schemas.microsoft.com/office/mac/drawingml/2011/main" val="1"/>
+                <ma14:wrappingTextBoxFlag xmlns:ma14="http://schemas.microsoft.com/office/mac/drawingml/2011/main" xmlns="" val="1"/>
               </a:ext>
             </a:extLst>
           </p:spPr>
@@ -17020,7 +17141,7 @@
             </a:ln>
             <a:extLst>
               <a:ext uri="{C572A759-6A51-4108-AA02-DFA0A04FC94B}">
-                <ma14:wrappingTextBoxFlag xmlns:ma14="http://schemas.microsoft.com/office/mac/drawingml/2011/main" val="1"/>
+                <ma14:wrappingTextBoxFlag xmlns:ma14="http://schemas.microsoft.com/office/mac/drawingml/2011/main" xmlns="" val="1"/>
               </a:ext>
             </a:extLst>
           </p:spPr>
@@ -17319,7 +17440,7 @@
             </a:ln>
             <a:extLst>
               <a:ext uri="{C572A759-6A51-4108-AA02-DFA0A04FC94B}">
-                <ma14:wrappingTextBoxFlag xmlns:ma14="http://schemas.microsoft.com/office/mac/drawingml/2011/main" val="1"/>
+                <ma14:wrappingTextBoxFlag xmlns:ma14="http://schemas.microsoft.com/office/mac/drawingml/2011/main" xmlns="" val="1"/>
               </a:ext>
             </a:extLst>
           </p:spPr>
@@ -17407,7 +17528,7 @@
           </a:ln>
           <a:extLst>
             <a:ext uri="{C572A759-6A51-4108-AA02-DFA0A04FC94B}">
-              <ma14:wrappingTextBoxFlag xmlns:ma14="http://schemas.microsoft.com/office/mac/drawingml/2011/main" val="1"/>
+              <ma14:wrappingTextBoxFlag xmlns:ma14="http://schemas.microsoft.com/office/mac/drawingml/2011/main" xmlns="" val="1"/>
             </a:ext>
           </a:extLst>
         </p:spPr>
@@ -17538,7 +17659,7 @@
             </a:ln>
             <a:extLst>
               <a:ext uri="{C572A759-6A51-4108-AA02-DFA0A04FC94B}">
-                <ma14:wrappingTextBoxFlag xmlns:ma14="http://schemas.microsoft.com/office/mac/drawingml/2011/main" val="1"/>
+                <ma14:wrappingTextBoxFlag xmlns:ma14="http://schemas.microsoft.com/office/mac/drawingml/2011/main" xmlns="" val="1"/>
               </a:ext>
             </a:extLst>
           </p:spPr>
@@ -17973,7 +18094,7 @@
           </a:ln>
           <a:extLst>
             <a:ext uri="{C572A759-6A51-4108-AA02-DFA0A04FC94B}">
-              <ma14:wrappingTextBoxFlag xmlns:ma14="http://schemas.microsoft.com/office/mac/drawingml/2011/main" val="1"/>
+              <ma14:wrappingTextBoxFlag xmlns:ma14="http://schemas.microsoft.com/office/mac/drawingml/2011/main" xmlns="" val="1"/>
             </a:ext>
           </a:extLst>
         </p:spPr>
@@ -18028,7 +18149,7 @@
             </a:ln>
             <a:extLst>
               <a:ext uri="{C572A759-6A51-4108-AA02-DFA0A04FC94B}">
-                <ma14:wrappingTextBoxFlag xmlns:ma14="http://schemas.microsoft.com/office/mac/drawingml/2011/main" val="1"/>
+                <ma14:wrappingTextBoxFlag xmlns:ma14="http://schemas.microsoft.com/office/mac/drawingml/2011/main" xmlns="" val="1"/>
               </a:ext>
             </a:extLst>
           </p:spPr>
@@ -19030,7 +19151,7 @@
           </a:ln>
           <a:extLst>
             <a:ext uri="{C572A759-6A51-4108-AA02-DFA0A04FC94B}">
-              <ma14:wrappingTextBoxFlag xmlns:ma14="http://schemas.microsoft.com/office/mac/drawingml/2011/main" val="1"/>
+              <ma14:wrappingTextBoxFlag xmlns:ma14="http://schemas.microsoft.com/office/mac/drawingml/2011/main" xmlns="" val="1"/>
             </a:ext>
           </a:extLst>
         </p:spPr>
@@ -19073,7 +19194,7 @@
           </a:ln>
           <a:extLst>
             <a:ext uri="{C572A759-6A51-4108-AA02-DFA0A04FC94B}">
-              <ma14:wrappingTextBoxFlag xmlns:ma14="http://schemas.microsoft.com/office/mac/drawingml/2011/main" val="1"/>
+              <ma14:wrappingTextBoxFlag xmlns:ma14="http://schemas.microsoft.com/office/mac/drawingml/2011/main" xmlns="" val="1"/>
             </a:ext>
           </a:extLst>
         </p:spPr>
@@ -19176,7 +19297,7 @@
           </a:ln>
           <a:extLst>
             <a:ext uri="{C572A759-6A51-4108-AA02-DFA0A04FC94B}">
-              <ma14:wrappingTextBoxFlag xmlns:ma14="http://schemas.microsoft.com/office/mac/drawingml/2011/main" val="1"/>
+              <ma14:wrappingTextBoxFlag xmlns:ma14="http://schemas.microsoft.com/office/mac/drawingml/2011/main" xmlns="" val="1"/>
             </a:ext>
           </a:extLst>
         </p:spPr>
@@ -19409,7 +19530,7 @@
             </a:ln>
             <a:extLst>
               <a:ext uri="{C572A759-6A51-4108-AA02-DFA0A04FC94B}">
-                <ma14:wrappingTextBoxFlag xmlns:ma14="http://schemas.microsoft.com/office/mac/drawingml/2011/main" val="1"/>
+                <ma14:wrappingTextBoxFlag xmlns:ma14="http://schemas.microsoft.com/office/mac/drawingml/2011/main" xmlns="" val="1"/>
               </a:ext>
             </a:extLst>
           </p:spPr>
@@ -19499,7 +19620,7 @@
           </a:ln>
           <a:extLst>
             <a:ext uri="{C572A759-6A51-4108-AA02-DFA0A04FC94B}">
-              <ma14:wrappingTextBoxFlag xmlns:ma14="http://schemas.microsoft.com/office/mac/drawingml/2011/main" val="1"/>
+              <ma14:wrappingTextBoxFlag xmlns:ma14="http://schemas.microsoft.com/office/mac/drawingml/2011/main" xmlns="" val="1"/>
             </a:ext>
           </a:extLst>
         </p:spPr>
